--- a/정수타입실습.pptx
+++ b/정수타입실습.pptx
@@ -5,7 +5,7 @@
     <p:sldMasterId id="2147483660" r:id="rId1"/>
   </p:sldMasterIdLst>
   <p:notesMasterIdLst>
-    <p:notesMasterId r:id="rId27"/>
+    <p:notesMasterId r:id="rId26"/>
   </p:notesMasterIdLst>
   <p:sldIdLst>
     <p:sldId id="462" r:id="rId2"/>
@@ -29,10 +29,9 @@
     <p:sldId id="529" r:id="rId20"/>
     <p:sldId id="530" r:id="rId21"/>
     <p:sldId id="531" r:id="rId22"/>
-    <p:sldId id="533" r:id="rId23"/>
-    <p:sldId id="551" r:id="rId24"/>
-    <p:sldId id="534" r:id="rId25"/>
-    <p:sldId id="535" r:id="rId26"/>
+    <p:sldId id="555" r:id="rId23"/>
+    <p:sldId id="533" r:id="rId24"/>
+    <p:sldId id="535" r:id="rId25"/>
   </p:sldIdLst>
   <p:sldSz cx="9144000" cy="6858000" type="screen4x3"/>
   <p:notesSz cx="6858000" cy="9144000"/>
@@ -5765,20 +5764,12 @@
           <a:lstStyle/>
           <a:p>
             <a:r>
-              <a:rPr lang="en-US" altLang="ko-KR" sz="3600" b="1">
-                <a:solidFill>
-                  <a:schemeClr val="accent3"/>
-                </a:solidFill>
-              </a:rPr>
-              <a:t>Repository</a:t>
-            </a:r>
-            <a:r>
               <a:rPr lang="ko-KR" altLang="en-US" sz="3600" b="1">
                 <a:solidFill>
                   <a:schemeClr val="accent3"/>
                 </a:solidFill>
               </a:rPr>
-              <a:t> 클릭</a:t>
+              <a:t>인터넷 브라우저 창으로 이동</a:t>
             </a:r>
             <a:endParaRPr lang="en-US" altLang="ko-KR" sz="3600" b="1">
               <a:solidFill>
@@ -5944,28 +5935,12 @@
           <a:lstStyle/>
           <a:p>
             <a:r>
-              <a:rPr lang="en-US" altLang="ko-KR" sz="3600" b="1">
-                <a:solidFill>
-                  <a:schemeClr val="accent3"/>
-                </a:solidFill>
-              </a:rPr>
-              <a:t>View on </a:t>
-            </a:r>
-            <a:r>
-              <a:rPr lang="en-US" altLang="ko-KR" sz="3600" b="1" err="1">
-                <a:solidFill>
-                  <a:schemeClr val="accent3"/>
-                </a:solidFill>
-              </a:rPr>
-              <a:t>Github</a:t>
-            </a:r>
-            <a:r>
               <a:rPr lang="ko-KR" altLang="en-US" sz="3600" b="1">
                 <a:solidFill>
                   <a:schemeClr val="accent3"/>
                 </a:solidFill>
               </a:rPr>
-              <a:t> 클릭</a:t>
+              <a:t>새로고침 버튼 클릭</a:t>
             </a:r>
             <a:endParaRPr lang="en-US" altLang="ko-KR" sz="3600" b="1">
               <a:solidFill>
@@ -5989,8 +5964,8 @@
         </p:nvSpPr>
         <p:spPr>
           <a:xfrm>
-            <a:off x="862519" y="1352701"/>
-            <a:ext cx="1394297" cy="320455"/>
+            <a:off x="223692" y="751452"/>
+            <a:ext cx="314927" cy="219316"/>
           </a:xfrm>
           <a:prstGeom prst="rect">
             <a:avLst/>
@@ -6041,6 +6016,177 @@
 </file>
 
 <file path=ppt/slides/slide22.xml><?xml version="1.0" encoding="utf-8"?>
+<p:sld xmlns:a="http://schemas.openxmlformats.org/drawingml/2006/main" xmlns:r="http://schemas.openxmlformats.org/officeDocument/2006/relationships" xmlns:p="http://schemas.openxmlformats.org/presentationml/2006/main">
+  <p:cSld>
+    <p:spTree>
+      <p:nvGrpSpPr>
+        <p:cNvPr id="1" name="">
+          <a:extLst>
+            <a:ext uri="{FF2B5EF4-FFF2-40B4-BE49-F238E27FC236}">
+              <a16:creationId xmlns:a16="http://schemas.microsoft.com/office/drawing/2014/main" id="{80504479-E7BD-A7A9-E6EC-EB9C39D2A306}"/>
+            </a:ext>
+          </a:extLst>
+        </p:cNvPr>
+        <p:cNvGrpSpPr/>
+        <p:nvPr/>
+      </p:nvGrpSpPr>
+      <p:grpSpPr>
+        <a:xfrm>
+          <a:off x="0" y="0"/>
+          <a:ext cx="0" cy="0"/>
+          <a:chOff x="0" y="0"/>
+          <a:chExt cx="0" cy="0"/>
+        </a:xfrm>
+      </p:grpSpPr>
+      <p:pic>
+        <p:nvPicPr>
+          <p:cNvPr id="8" name="그림 7">
+            <a:extLst>
+              <a:ext uri="{FF2B5EF4-FFF2-40B4-BE49-F238E27FC236}">
+                <a16:creationId xmlns:a16="http://schemas.microsoft.com/office/drawing/2014/main" id="{CF635A0D-6EA7-3D1F-7640-648EF7E6AAD5}"/>
+              </a:ext>
+            </a:extLst>
+          </p:cNvPr>
+          <p:cNvPicPr>
+            <a:picLocks noChangeAspect="1"/>
+          </p:cNvPicPr>
+          <p:nvPr/>
+        </p:nvPicPr>
+        <p:blipFill>
+          <a:blip r:embed="rId2">
+            <a:extLst>
+              <a:ext uri="{28A0092B-C50C-407E-A947-70E740481C1C}">
+                <a14:useLocalDpi xmlns:a14="http://schemas.microsoft.com/office/drawing/2010/main" val="0"/>
+              </a:ext>
+            </a:extLst>
+          </a:blip>
+          <a:srcRect/>
+          <a:stretch/>
+        </p:blipFill>
+        <p:spPr>
+          <a:xfrm>
+            <a:off x="0" y="571500"/>
+            <a:ext cx="9144000" cy="5715000"/>
+          </a:xfrm>
+          <a:prstGeom prst="rect">
+            <a:avLst/>
+          </a:prstGeom>
+        </p:spPr>
+      </p:pic>
+      <p:sp>
+        <p:nvSpPr>
+          <p:cNvPr id="3" name="TextBox 2">
+            <a:extLst>
+              <a:ext uri="{FF2B5EF4-FFF2-40B4-BE49-F238E27FC236}">
+                <a16:creationId xmlns:a16="http://schemas.microsoft.com/office/drawing/2014/main" id="{FE9BE584-9D3C-8C9A-BEDD-FABF9C837574}"/>
+              </a:ext>
+            </a:extLst>
+          </p:cNvPr>
+          <p:cNvSpPr txBox="1"/>
+          <p:nvPr/>
+        </p:nvSpPr>
+        <p:spPr>
+          <a:xfrm>
+            <a:off x="0" y="4743856"/>
+            <a:ext cx="9144000" cy="646331"/>
+          </a:xfrm>
+          <a:prstGeom prst="rect">
+            <a:avLst/>
+          </a:prstGeom>
+          <a:solidFill>
+            <a:srgbClr val="FFFFFF">
+              <a:alpha val="85098"/>
+            </a:srgbClr>
+          </a:solidFill>
+        </p:spPr>
+        <p:txBody>
+          <a:bodyPr wrap="square" rtlCol="0">
+            <a:spAutoFit/>
+          </a:bodyPr>
+          <a:lstStyle/>
+          <a:p>
+            <a:r>
+              <a:rPr lang="ko-KR" altLang="en-US" sz="3600" b="1">
+                <a:solidFill>
+                  <a:schemeClr val="accent3"/>
+                </a:solidFill>
+              </a:rPr>
+              <a:t>브랜치 클릭</a:t>
+            </a:r>
+            <a:endParaRPr lang="en-US" altLang="ko-KR" sz="3600" b="1">
+              <a:solidFill>
+                <a:schemeClr val="accent3"/>
+              </a:solidFill>
+            </a:endParaRPr>
+          </a:p>
+        </p:txBody>
+      </p:sp>
+      <p:sp>
+        <p:nvSpPr>
+          <p:cNvPr id="5" name="직사각형 4">
+            <a:extLst>
+              <a:ext uri="{FF2B5EF4-FFF2-40B4-BE49-F238E27FC236}">
+                <a16:creationId xmlns:a16="http://schemas.microsoft.com/office/drawing/2014/main" id="{A5EC15D9-1FC7-3292-5788-A0D6AAE7E3D2}"/>
+              </a:ext>
+            </a:extLst>
+          </p:cNvPr>
+          <p:cNvSpPr/>
+          <p:nvPr/>
+        </p:nvSpPr>
+        <p:spPr>
+          <a:xfrm>
+            <a:off x="110958" y="1834953"/>
+            <a:ext cx="1135382" cy="231842"/>
+          </a:xfrm>
+          <a:prstGeom prst="rect">
+            <a:avLst/>
+          </a:prstGeom>
+          <a:noFill/>
+          <a:ln w="38100">
+            <a:solidFill>
+              <a:schemeClr val="accent3"/>
+            </a:solidFill>
+          </a:ln>
+        </p:spPr>
+        <p:style>
+          <a:lnRef idx="2">
+            <a:schemeClr val="accent1">
+              <a:shade val="15000"/>
+            </a:schemeClr>
+          </a:lnRef>
+          <a:fillRef idx="1">
+            <a:schemeClr val="accent1"/>
+          </a:fillRef>
+          <a:effectRef idx="0">
+            <a:schemeClr val="accent1"/>
+          </a:effectRef>
+          <a:fontRef idx="minor">
+            <a:schemeClr val="lt1"/>
+          </a:fontRef>
+        </p:style>
+        <p:txBody>
+          <a:bodyPr rtlCol="0" anchor="ctr"/>
+          <a:lstStyle/>
+          <a:p>
+            <a:pPr algn="ctr"/>
+            <a:endParaRPr lang="ko-KR" altLang="en-US"/>
+          </a:p>
+        </p:txBody>
+      </p:sp>
+    </p:spTree>
+    <p:extLst>
+      <p:ext uri="{BB962C8B-B14F-4D97-AF65-F5344CB8AC3E}">
+        <p14:creationId xmlns:p14="http://schemas.microsoft.com/office/powerpoint/2010/main" val="2375847754"/>
+      </p:ext>
+    </p:extLst>
+  </p:cSld>
+  <p:clrMapOvr>
+    <a:masterClrMapping/>
+  </p:clrMapOvr>
+</p:sld>
+</file>
+
+<file path=ppt/slides/slide23.xml><?xml version="1.0" encoding="utf-8"?>
 <p:sld xmlns:a="http://schemas.openxmlformats.org/drawingml/2006/main" xmlns:r="http://schemas.openxmlformats.org/officeDocument/2006/relationships" xmlns:p="http://schemas.openxmlformats.org/presentationml/2006/main">
   <p:cSld>
     <p:spTree>
@@ -6131,44 +6277,12 @@
           <a:lstStyle/>
           <a:p>
             <a:r>
-              <a:rPr lang="en-US" altLang="ko-KR" sz="3600" b="1">
-                <a:solidFill>
-                  <a:schemeClr val="accent3"/>
-                </a:solidFill>
-              </a:rPr>
-              <a:t>main</a:t>
-            </a:r>
-            <a:r>
               <a:rPr lang="ko-KR" altLang="en-US" sz="3600" b="1">
                 <a:solidFill>
                   <a:schemeClr val="accent3"/>
                 </a:solidFill>
               </a:rPr>
-              <a:t> </a:t>
-            </a:r>
-            <a:r>
-              <a:rPr lang="ko-KR" altLang="en-US" sz="3600" b="1" err="1">
-                <a:solidFill>
-                  <a:schemeClr val="accent3"/>
-                </a:solidFill>
-              </a:rPr>
-              <a:t>브랜치</a:t>
-            </a:r>
-            <a:r>
-              <a:rPr lang="en-US" altLang="ko-KR" sz="3600" b="1">
-                <a:solidFill>
-                  <a:schemeClr val="accent3"/>
-                </a:solidFill>
-              </a:rPr>
-              <a:t> </a:t>
-            </a:r>
-            <a:r>
-              <a:rPr lang="ko-KR" altLang="en-US" sz="3600" b="1">
-                <a:solidFill>
-                  <a:schemeClr val="accent3"/>
-                </a:solidFill>
-              </a:rPr>
-              <a:t>클릭</a:t>
+              <a:t>새로 만든 브랜치 클릭</a:t>
             </a:r>
             <a:endParaRPr lang="en-US" altLang="ko-KR" sz="3600" b="1">
               <a:solidFill>
@@ -6192,8 +6306,8 @@
         </p:nvSpPr>
         <p:spPr>
           <a:xfrm>
-            <a:off x="1232837" y="2847748"/>
-            <a:ext cx="639804" cy="333844"/>
+            <a:off x="223844" y="4376508"/>
+            <a:ext cx="639804" cy="208104"/>
           </a:xfrm>
           <a:prstGeom prst="rect">
             <a:avLst/>
@@ -6243,389 +6357,7 @@
 </p:sld>
 </file>
 
-<file path=ppt/slides/slide23.xml><?xml version="1.0" encoding="utf-8"?>
-<p:sld xmlns:a="http://schemas.openxmlformats.org/drawingml/2006/main" xmlns:r="http://schemas.openxmlformats.org/officeDocument/2006/relationships" xmlns:p="http://schemas.openxmlformats.org/presentationml/2006/main">
-  <p:cSld>
-    <p:spTree>
-      <p:nvGrpSpPr>
-        <p:cNvPr id="1" name="">
-          <a:extLst>
-            <a:ext uri="{FF2B5EF4-FFF2-40B4-BE49-F238E27FC236}">
-              <a16:creationId xmlns:a16="http://schemas.microsoft.com/office/drawing/2014/main" id="{D280B135-A060-3832-5273-CB0E0EBA27DD}"/>
-            </a:ext>
-          </a:extLst>
-        </p:cNvPr>
-        <p:cNvGrpSpPr/>
-        <p:nvPr/>
-      </p:nvGrpSpPr>
-      <p:grpSpPr>
-        <a:xfrm>
-          <a:off x="0" y="0"/>
-          <a:ext cx="0" cy="0"/>
-          <a:chOff x="0" y="0"/>
-          <a:chExt cx="0" cy="0"/>
-        </a:xfrm>
-      </p:grpSpPr>
-      <p:pic>
-        <p:nvPicPr>
-          <p:cNvPr id="8" name="그림 7">
-            <a:extLst>
-              <a:ext uri="{FF2B5EF4-FFF2-40B4-BE49-F238E27FC236}">
-                <a16:creationId xmlns:a16="http://schemas.microsoft.com/office/drawing/2014/main" id="{0A603915-EB53-641E-A6B3-55E7B4861E33}"/>
-              </a:ext>
-            </a:extLst>
-          </p:cNvPr>
-          <p:cNvPicPr>
-            <a:picLocks noChangeAspect="1"/>
-          </p:cNvPicPr>
-          <p:nvPr/>
-        </p:nvPicPr>
-        <p:blipFill>
-          <a:blip r:embed="rId2">
-            <a:extLst>
-              <a:ext uri="{28A0092B-C50C-407E-A947-70E740481C1C}">
-                <a14:useLocalDpi xmlns:a14="http://schemas.microsoft.com/office/drawing/2010/main" val="0"/>
-              </a:ext>
-            </a:extLst>
-          </a:blip>
-          <a:srcRect/>
-          <a:stretch/>
-        </p:blipFill>
-        <p:spPr>
-          <a:xfrm>
-            <a:off x="0" y="571500"/>
-            <a:ext cx="9144000" cy="5715000"/>
-          </a:xfrm>
-          <a:prstGeom prst="rect">
-            <a:avLst/>
-          </a:prstGeom>
-        </p:spPr>
-      </p:pic>
-      <p:sp>
-        <p:nvSpPr>
-          <p:cNvPr id="3" name="TextBox 2">
-            <a:extLst>
-              <a:ext uri="{FF2B5EF4-FFF2-40B4-BE49-F238E27FC236}">
-                <a16:creationId xmlns:a16="http://schemas.microsoft.com/office/drawing/2014/main" id="{37EC1E37-26CC-DBC7-6314-23CD94F01CA3}"/>
-              </a:ext>
-            </a:extLst>
-          </p:cNvPr>
-          <p:cNvSpPr txBox="1"/>
-          <p:nvPr/>
-        </p:nvSpPr>
-        <p:spPr>
-          <a:xfrm>
-            <a:off x="0" y="4771281"/>
-            <a:ext cx="9144000" cy="646331"/>
-          </a:xfrm>
-          <a:prstGeom prst="rect">
-            <a:avLst/>
-          </a:prstGeom>
-          <a:solidFill>
-            <a:srgbClr val="FFFFFF">
-              <a:alpha val="85098"/>
-            </a:srgbClr>
-          </a:solidFill>
-        </p:spPr>
-        <p:txBody>
-          <a:bodyPr wrap="square" rtlCol="0">
-            <a:spAutoFit/>
-          </a:bodyPr>
-          <a:lstStyle/>
-          <a:p>
-            <a:r>
-              <a:rPr lang="ko-KR" altLang="en-US" sz="3600" b="1">
-                <a:solidFill>
-                  <a:schemeClr val="accent3"/>
-                </a:solidFill>
-              </a:rPr>
-              <a:t>새로 만든 </a:t>
-            </a:r>
-            <a:r>
-              <a:rPr lang="ko-KR" altLang="en-US" sz="3600" b="1" err="1">
-                <a:solidFill>
-                  <a:schemeClr val="accent3"/>
-                </a:solidFill>
-              </a:rPr>
-              <a:t>브랜치</a:t>
-            </a:r>
-            <a:r>
-              <a:rPr lang="en-US" altLang="ko-KR" sz="3600" b="1">
-                <a:solidFill>
-                  <a:schemeClr val="accent3"/>
-                </a:solidFill>
-              </a:rPr>
-              <a:t> </a:t>
-            </a:r>
-            <a:r>
-              <a:rPr lang="ko-KR" altLang="en-US" sz="3600" b="1">
-                <a:solidFill>
-                  <a:schemeClr val="accent3"/>
-                </a:solidFill>
-              </a:rPr>
-              <a:t>클릭</a:t>
-            </a:r>
-            <a:endParaRPr lang="en-US" altLang="ko-KR" sz="3600" b="1">
-              <a:solidFill>
-                <a:schemeClr val="accent3"/>
-              </a:solidFill>
-            </a:endParaRPr>
-          </a:p>
-        </p:txBody>
-      </p:sp>
-      <p:sp>
-        <p:nvSpPr>
-          <p:cNvPr id="5" name="직사각형 4">
-            <a:extLst>
-              <a:ext uri="{FF2B5EF4-FFF2-40B4-BE49-F238E27FC236}">
-                <a16:creationId xmlns:a16="http://schemas.microsoft.com/office/drawing/2014/main" id="{CC78139F-FE0E-8282-996F-9B2CA158421F}"/>
-              </a:ext>
-            </a:extLst>
-          </p:cNvPr>
-          <p:cNvSpPr/>
-          <p:nvPr/>
-        </p:nvSpPr>
-        <p:spPr>
-          <a:xfrm>
-            <a:off x="1251626" y="5481377"/>
-            <a:ext cx="1738008" cy="128015"/>
-          </a:xfrm>
-          <a:prstGeom prst="rect">
-            <a:avLst/>
-          </a:prstGeom>
-          <a:noFill/>
-          <a:ln w="38100">
-            <a:solidFill>
-              <a:schemeClr val="accent3"/>
-            </a:solidFill>
-          </a:ln>
-        </p:spPr>
-        <p:style>
-          <a:lnRef idx="2">
-            <a:schemeClr val="accent1">
-              <a:shade val="15000"/>
-            </a:schemeClr>
-          </a:lnRef>
-          <a:fillRef idx="1">
-            <a:schemeClr val="accent1"/>
-          </a:fillRef>
-          <a:effectRef idx="0">
-            <a:schemeClr val="accent1"/>
-          </a:effectRef>
-          <a:fontRef idx="minor">
-            <a:schemeClr val="lt1"/>
-          </a:fontRef>
-        </p:style>
-        <p:txBody>
-          <a:bodyPr rtlCol="0" anchor="ctr"/>
-          <a:lstStyle/>
-          <a:p>
-            <a:pPr algn="ctr"/>
-            <a:endParaRPr lang="ko-KR" altLang="en-US"/>
-          </a:p>
-        </p:txBody>
-      </p:sp>
-    </p:spTree>
-    <p:extLst>
-      <p:ext uri="{BB962C8B-B14F-4D97-AF65-F5344CB8AC3E}">
-        <p14:creationId xmlns:p14="http://schemas.microsoft.com/office/powerpoint/2010/main" val="1821330954"/>
-      </p:ext>
-    </p:extLst>
-  </p:cSld>
-  <p:clrMapOvr>
-    <a:masterClrMapping/>
-  </p:clrMapOvr>
-</p:sld>
-</file>
-
 <file path=ppt/slides/slide24.xml><?xml version="1.0" encoding="utf-8"?>
-<p:sld xmlns:a="http://schemas.openxmlformats.org/drawingml/2006/main" xmlns:r="http://schemas.openxmlformats.org/officeDocument/2006/relationships" xmlns:p="http://schemas.openxmlformats.org/presentationml/2006/main">
-  <p:cSld>
-    <p:spTree>
-      <p:nvGrpSpPr>
-        <p:cNvPr id="1" name="">
-          <a:extLst>
-            <a:ext uri="{FF2B5EF4-FFF2-40B4-BE49-F238E27FC236}">
-              <a16:creationId xmlns:a16="http://schemas.microsoft.com/office/drawing/2014/main" id="{A95B1AAD-139E-7BB5-FA94-7CFAC4AD9C2D}"/>
-            </a:ext>
-          </a:extLst>
-        </p:cNvPr>
-        <p:cNvGrpSpPr/>
-        <p:nvPr/>
-      </p:nvGrpSpPr>
-      <p:grpSpPr>
-        <a:xfrm>
-          <a:off x="0" y="0"/>
-          <a:ext cx="0" cy="0"/>
-          <a:chOff x="0" y="0"/>
-          <a:chExt cx="0" cy="0"/>
-        </a:xfrm>
-      </p:grpSpPr>
-      <p:pic>
-        <p:nvPicPr>
-          <p:cNvPr id="8" name="그림 7">
-            <a:extLst>
-              <a:ext uri="{FF2B5EF4-FFF2-40B4-BE49-F238E27FC236}">
-                <a16:creationId xmlns:a16="http://schemas.microsoft.com/office/drawing/2014/main" id="{A01DF225-EE89-C4C7-CAB4-FD731EC88EC2}"/>
-              </a:ext>
-            </a:extLst>
-          </p:cNvPr>
-          <p:cNvPicPr>
-            <a:picLocks noChangeAspect="1"/>
-          </p:cNvPicPr>
-          <p:nvPr/>
-        </p:nvPicPr>
-        <p:blipFill>
-          <a:blip r:embed="rId2">
-            <a:extLst>
-              <a:ext uri="{28A0092B-C50C-407E-A947-70E740481C1C}">
-                <a14:useLocalDpi xmlns:a14="http://schemas.microsoft.com/office/drawing/2010/main" val="0"/>
-              </a:ext>
-            </a:extLst>
-          </a:blip>
-          <a:srcRect/>
-          <a:stretch/>
-        </p:blipFill>
-        <p:spPr>
-          <a:xfrm>
-            <a:off x="0" y="571500"/>
-            <a:ext cx="9144000" cy="5715000"/>
-          </a:xfrm>
-          <a:prstGeom prst="rect">
-            <a:avLst/>
-          </a:prstGeom>
-        </p:spPr>
-      </p:pic>
-      <p:sp>
-        <p:nvSpPr>
-          <p:cNvPr id="3" name="TextBox 2">
-            <a:extLst>
-              <a:ext uri="{FF2B5EF4-FFF2-40B4-BE49-F238E27FC236}">
-                <a16:creationId xmlns:a16="http://schemas.microsoft.com/office/drawing/2014/main" id="{B7D08A9A-D2F7-BB0E-1B85-5FF853D2C86B}"/>
-              </a:ext>
-            </a:extLst>
-          </p:cNvPr>
-          <p:cNvSpPr txBox="1"/>
-          <p:nvPr/>
-        </p:nvSpPr>
-        <p:spPr>
-          <a:xfrm>
-            <a:off x="0" y="4743856"/>
-            <a:ext cx="9144000" cy="646331"/>
-          </a:xfrm>
-          <a:prstGeom prst="rect">
-            <a:avLst/>
-          </a:prstGeom>
-          <a:solidFill>
-            <a:srgbClr val="FFFFFF">
-              <a:alpha val="85098"/>
-            </a:srgbClr>
-          </a:solidFill>
-        </p:spPr>
-        <p:txBody>
-          <a:bodyPr wrap="square" rtlCol="0">
-            <a:spAutoFit/>
-          </a:bodyPr>
-          <a:lstStyle/>
-          <a:p>
-            <a:r>
-              <a:rPr lang="en-US" altLang="ko-KR" sz="3600" b="1" err="1">
-                <a:solidFill>
-                  <a:schemeClr val="accent3"/>
-                </a:solidFill>
-              </a:rPr>
-              <a:t>main.c</a:t>
-            </a:r>
-            <a:r>
-              <a:rPr lang="en-US" altLang="ko-KR" sz="3600" b="1">
-                <a:solidFill>
-                  <a:schemeClr val="accent3"/>
-                </a:solidFill>
-              </a:rPr>
-              <a:t> </a:t>
-            </a:r>
-            <a:r>
-              <a:rPr lang="ko-KR" altLang="en-US" sz="3600" b="1">
-                <a:solidFill>
-                  <a:schemeClr val="accent3"/>
-                </a:solidFill>
-              </a:rPr>
-              <a:t>클릭</a:t>
-            </a:r>
-            <a:endParaRPr lang="en-US" altLang="ko-KR" sz="3600" b="1">
-              <a:solidFill>
-                <a:schemeClr val="accent3"/>
-              </a:solidFill>
-            </a:endParaRPr>
-          </a:p>
-        </p:txBody>
-      </p:sp>
-      <p:sp>
-        <p:nvSpPr>
-          <p:cNvPr id="5" name="직사각형 4">
-            <a:extLst>
-              <a:ext uri="{FF2B5EF4-FFF2-40B4-BE49-F238E27FC236}">
-                <a16:creationId xmlns:a16="http://schemas.microsoft.com/office/drawing/2014/main" id="{15B119AC-A765-C992-D867-A84A4FCD767F}"/>
-              </a:ext>
-            </a:extLst>
-          </p:cNvPr>
-          <p:cNvSpPr/>
-          <p:nvPr/>
-        </p:nvSpPr>
-        <p:spPr>
-          <a:xfrm>
-            <a:off x="1271392" y="5772230"/>
-            <a:ext cx="538619" cy="146317"/>
-          </a:xfrm>
-          <a:prstGeom prst="rect">
-            <a:avLst/>
-          </a:prstGeom>
-          <a:noFill/>
-          <a:ln w="38100">
-            <a:solidFill>
-              <a:schemeClr val="accent3"/>
-            </a:solidFill>
-          </a:ln>
-        </p:spPr>
-        <p:style>
-          <a:lnRef idx="2">
-            <a:schemeClr val="accent1">
-              <a:shade val="15000"/>
-            </a:schemeClr>
-          </a:lnRef>
-          <a:fillRef idx="1">
-            <a:schemeClr val="accent1"/>
-          </a:fillRef>
-          <a:effectRef idx="0">
-            <a:schemeClr val="accent1"/>
-          </a:effectRef>
-          <a:fontRef idx="minor">
-            <a:schemeClr val="lt1"/>
-          </a:fontRef>
-        </p:style>
-        <p:txBody>
-          <a:bodyPr rtlCol="0" anchor="ctr"/>
-          <a:lstStyle/>
-          <a:p>
-            <a:pPr algn="ctr"/>
-            <a:endParaRPr lang="ko-KR" altLang="en-US"/>
-          </a:p>
-        </p:txBody>
-      </p:sp>
-    </p:spTree>
-    <p:extLst>
-      <p:ext uri="{BB962C8B-B14F-4D97-AF65-F5344CB8AC3E}">
-        <p14:creationId xmlns:p14="http://schemas.microsoft.com/office/powerpoint/2010/main" val="273804862"/>
-      </p:ext>
-    </p:extLst>
-  </p:cSld>
-  <p:clrMapOvr>
-    <a:masterClrMapping/>
-  </p:clrMapOvr>
-</p:sld>
-</file>
-
-<file path=ppt/slides/slide25.xml><?xml version="1.0" encoding="utf-8"?>
 <p:sld xmlns:a="http://schemas.openxmlformats.org/drawingml/2006/main" xmlns:r="http://schemas.openxmlformats.org/officeDocument/2006/relationships" xmlns:p="http://schemas.openxmlformats.org/presentationml/2006/main">
   <p:cSld>
     <p:spTree>

--- a/정수타입실습.pptx
+++ b/정수타입실습.pptx
@@ -5776,58 +5776,6 @@
                 <a:schemeClr val="accent3"/>
               </a:solidFill>
             </a:endParaRPr>
-          </a:p>
-        </p:txBody>
-      </p:sp>
-      <p:sp>
-        <p:nvSpPr>
-          <p:cNvPr id="5" name="직사각형 4">
-            <a:extLst>
-              <a:ext uri="{FF2B5EF4-FFF2-40B4-BE49-F238E27FC236}">
-                <a16:creationId xmlns:a16="http://schemas.microsoft.com/office/drawing/2014/main" id="{0B61BFF8-741D-020E-F1FC-C423085D3F1E}"/>
-              </a:ext>
-            </a:extLst>
-          </p:cNvPr>
-          <p:cNvSpPr/>
-          <p:nvPr/>
-        </p:nvSpPr>
-        <p:spPr>
-          <a:xfrm>
-            <a:off x="856035" y="522050"/>
-            <a:ext cx="421532" cy="230222"/>
-          </a:xfrm>
-          <a:prstGeom prst="rect">
-            <a:avLst/>
-          </a:prstGeom>
-          <a:noFill/>
-          <a:ln w="38100">
-            <a:solidFill>
-              <a:schemeClr val="accent3"/>
-            </a:solidFill>
-          </a:ln>
-        </p:spPr>
-        <p:style>
-          <a:lnRef idx="2">
-            <a:schemeClr val="accent1">
-              <a:shade val="15000"/>
-            </a:schemeClr>
-          </a:lnRef>
-          <a:fillRef idx="1">
-            <a:schemeClr val="accent1"/>
-          </a:fillRef>
-          <a:effectRef idx="0">
-            <a:schemeClr val="accent1"/>
-          </a:effectRef>
-          <a:fontRef idx="minor">
-            <a:schemeClr val="lt1"/>
-          </a:fontRef>
-        </p:style>
-        <p:txBody>
-          <a:bodyPr rtlCol="0" anchor="ctr"/>
-          <a:lstStyle/>
-          <a:p>
-            <a:pPr algn="ctr"/>
-            <a:endParaRPr lang="ko-KR" altLang="en-US"/>
           </a:p>
         </p:txBody>
       </p:sp>
